--- a/Modul_04_Variables/Variables.pptx
+++ b/Modul_04_Variables/Variables.pptx
@@ -206,7 +206,7 @@
           <a:p>
             <a:fld id="{E9DAB8B5-B9A3-426D-91D9-D7966B0F2B79}" type="datetimeFigureOut">
               <a:rPr lang="de-DE" smtClean="0"/>
-              <a:t>13.11.2021</a:t>
+              <a:t>22.11.2021</a:t>
             </a:fld>
             <a:endParaRPr lang="de-DE"/>
           </a:p>
@@ -1109,7 +1109,7 @@
           <a:p>
             <a:fld id="{6CBA03CC-73C5-46A8-8DFB-B5DC4577D8E2}" type="datetimeFigureOut">
               <a:rPr lang="de-DE" smtClean="0"/>
-              <a:t>13.11.2021</a:t>
+              <a:t>22.11.2021</a:t>
             </a:fld>
             <a:endParaRPr lang="de-DE"/>
           </a:p>
@@ -1279,7 +1279,7 @@
           <a:p>
             <a:fld id="{6CBA03CC-73C5-46A8-8DFB-B5DC4577D8E2}" type="datetimeFigureOut">
               <a:rPr lang="de-DE" smtClean="0"/>
-              <a:t>13.11.2021</a:t>
+              <a:t>22.11.2021</a:t>
             </a:fld>
             <a:endParaRPr lang="de-DE"/>
           </a:p>
@@ -1459,7 +1459,7 @@
           <a:p>
             <a:fld id="{6CBA03CC-73C5-46A8-8DFB-B5DC4577D8E2}" type="datetimeFigureOut">
               <a:rPr lang="de-DE" smtClean="0"/>
-              <a:t>13.11.2021</a:t>
+              <a:t>22.11.2021</a:t>
             </a:fld>
             <a:endParaRPr lang="de-DE"/>
           </a:p>
@@ -1629,7 +1629,7 @@
           <a:p>
             <a:fld id="{6CBA03CC-73C5-46A8-8DFB-B5DC4577D8E2}" type="datetimeFigureOut">
               <a:rPr lang="de-DE" smtClean="0"/>
-              <a:t>13.11.2021</a:t>
+              <a:t>22.11.2021</a:t>
             </a:fld>
             <a:endParaRPr lang="de-DE"/>
           </a:p>
@@ -1875,7 +1875,7 @@
           <a:p>
             <a:fld id="{6CBA03CC-73C5-46A8-8DFB-B5DC4577D8E2}" type="datetimeFigureOut">
               <a:rPr lang="de-DE" smtClean="0"/>
-              <a:t>13.11.2021</a:t>
+              <a:t>22.11.2021</a:t>
             </a:fld>
             <a:endParaRPr lang="de-DE"/>
           </a:p>
@@ -2107,7 +2107,7 @@
           <a:p>
             <a:fld id="{6CBA03CC-73C5-46A8-8DFB-B5DC4577D8E2}" type="datetimeFigureOut">
               <a:rPr lang="de-DE" smtClean="0"/>
-              <a:t>13.11.2021</a:t>
+              <a:t>22.11.2021</a:t>
             </a:fld>
             <a:endParaRPr lang="de-DE"/>
           </a:p>
@@ -2474,7 +2474,7 @@
           <a:p>
             <a:fld id="{6CBA03CC-73C5-46A8-8DFB-B5DC4577D8E2}" type="datetimeFigureOut">
               <a:rPr lang="de-DE" smtClean="0"/>
-              <a:t>13.11.2021</a:t>
+              <a:t>22.11.2021</a:t>
             </a:fld>
             <a:endParaRPr lang="de-DE"/>
           </a:p>
@@ -2592,7 +2592,7 @@
           <a:p>
             <a:fld id="{6CBA03CC-73C5-46A8-8DFB-B5DC4577D8E2}" type="datetimeFigureOut">
               <a:rPr lang="de-DE" smtClean="0"/>
-              <a:t>13.11.2021</a:t>
+              <a:t>22.11.2021</a:t>
             </a:fld>
             <a:endParaRPr lang="de-DE"/>
           </a:p>
@@ -2687,7 +2687,7 @@
           <a:p>
             <a:fld id="{6CBA03CC-73C5-46A8-8DFB-B5DC4577D8E2}" type="datetimeFigureOut">
               <a:rPr lang="de-DE" smtClean="0"/>
-              <a:t>13.11.2021</a:t>
+              <a:t>22.11.2021</a:t>
             </a:fld>
             <a:endParaRPr lang="de-DE"/>
           </a:p>
@@ -2964,7 +2964,7 @@
           <a:p>
             <a:fld id="{6CBA03CC-73C5-46A8-8DFB-B5DC4577D8E2}" type="datetimeFigureOut">
               <a:rPr lang="de-DE" smtClean="0"/>
-              <a:t>13.11.2021</a:t>
+              <a:t>22.11.2021</a:t>
             </a:fld>
             <a:endParaRPr lang="de-DE"/>
           </a:p>
@@ -3217,7 +3217,7 @@
           <a:p>
             <a:fld id="{6CBA03CC-73C5-46A8-8DFB-B5DC4577D8E2}" type="datetimeFigureOut">
               <a:rPr lang="de-DE" smtClean="0"/>
-              <a:t>13.11.2021</a:t>
+              <a:t>22.11.2021</a:t>
             </a:fld>
             <a:endParaRPr lang="de-DE"/>
           </a:p>
@@ -3430,7 +3430,7 @@
           <a:p>
             <a:fld id="{6CBA03CC-73C5-46A8-8DFB-B5DC4577D8E2}" type="datetimeFigureOut">
               <a:rPr lang="de-DE" smtClean="0"/>
-              <a:t>13.11.2021</a:t>
+              <a:t>22.11.2021</a:t>
             </a:fld>
             <a:endParaRPr lang="de-DE"/>
           </a:p>
@@ -5993,7 +5993,6 @@
               <a:rPr lang="de-DE" i="1" dirty="0" smtClean="0"/>
               <a:t> plan</a:t>
             </a:r>
-            <a:endParaRPr lang="de-DE" i="1" dirty="0" smtClean="0"/>
           </a:p>
           <a:p>
             <a:endParaRPr lang="de-DE" dirty="0"/>
@@ -6628,7 +6627,7 @@
               <a:t>(</a:t>
             </a:r>
             <a:r>
-              <a:rPr kumimoji="0" lang="de-DE" altLang="de-DE" sz="2000" b="0" i="0" u="none" strike="noStrike" cap="none" normalizeH="0" baseline="0" dirty="0" err="1" smtClean="0">
+              <a:rPr kumimoji="0" lang="de-DE" altLang="de-DE" sz="2000" b="0" i="0" u="none" strike="noStrike" cap="none" normalizeH="0" baseline="0" smtClean="0">
                 <a:ln>
                   <a:noFill/>
                 </a:ln>
@@ -6641,7 +6640,7 @@
               <a:t>var.</a:t>
             </a:r>
             <a:r>
-              <a:rPr kumimoji="0" lang="de-DE" altLang="de-DE" sz="2000" b="0" i="0" u="none" strike="noStrike" cap="none" normalizeH="0" baseline="0" dirty="0" err="1" smtClean="0">
+              <a:rPr kumimoji="0" lang="de-DE" altLang="de-DE" sz="2000" b="0" i="0" u="none" strike="noStrike" cap="none" normalizeH="0" baseline="0" smtClean="0">
                 <a:ln>
                   <a:noFill/>
                 </a:ln>
@@ -6651,7 +6650,7 @@
                 <a:effectLst/>
                 <a:latin typeface="JetBrains Mono"/>
               </a:rPr>
-              <a:t>four_characters</a:t>
+              <a:t>exactly_four_characters</a:t>
             </a:r>
             <a:r>
               <a:rPr kumimoji="0" lang="de-DE" altLang="de-DE" sz="2000" b="0" i="0" u="none" strike="noStrike" cap="none" normalizeH="0" baseline="0" dirty="0" smtClean="0">

--- a/Modul_04_Variables/Variables.pptx
+++ b/Modul_04_Variables/Variables.pptx
@@ -206,7 +206,7 @@
           <a:p>
             <a:fld id="{E9DAB8B5-B9A3-426D-91D9-D7966B0F2B79}" type="datetimeFigureOut">
               <a:rPr lang="de-DE" smtClean="0"/>
-              <a:t>22.11.2021</a:t>
+              <a:t>24.11.2021</a:t>
             </a:fld>
             <a:endParaRPr lang="de-DE"/>
           </a:p>
@@ -1109,7 +1109,7 @@
           <a:p>
             <a:fld id="{6CBA03CC-73C5-46A8-8DFB-B5DC4577D8E2}" type="datetimeFigureOut">
               <a:rPr lang="de-DE" smtClean="0"/>
-              <a:t>22.11.2021</a:t>
+              <a:t>24.11.2021</a:t>
             </a:fld>
             <a:endParaRPr lang="de-DE"/>
           </a:p>
@@ -1279,7 +1279,7 @@
           <a:p>
             <a:fld id="{6CBA03CC-73C5-46A8-8DFB-B5DC4577D8E2}" type="datetimeFigureOut">
               <a:rPr lang="de-DE" smtClean="0"/>
-              <a:t>22.11.2021</a:t>
+              <a:t>24.11.2021</a:t>
             </a:fld>
             <a:endParaRPr lang="de-DE"/>
           </a:p>
@@ -1459,7 +1459,7 @@
           <a:p>
             <a:fld id="{6CBA03CC-73C5-46A8-8DFB-B5DC4577D8E2}" type="datetimeFigureOut">
               <a:rPr lang="de-DE" smtClean="0"/>
-              <a:t>22.11.2021</a:t>
+              <a:t>24.11.2021</a:t>
             </a:fld>
             <a:endParaRPr lang="de-DE"/>
           </a:p>
@@ -1629,7 +1629,7 @@
           <a:p>
             <a:fld id="{6CBA03CC-73C5-46A8-8DFB-B5DC4577D8E2}" type="datetimeFigureOut">
               <a:rPr lang="de-DE" smtClean="0"/>
-              <a:t>22.11.2021</a:t>
+              <a:t>24.11.2021</a:t>
             </a:fld>
             <a:endParaRPr lang="de-DE"/>
           </a:p>
@@ -1875,7 +1875,7 @@
           <a:p>
             <a:fld id="{6CBA03CC-73C5-46A8-8DFB-B5DC4577D8E2}" type="datetimeFigureOut">
               <a:rPr lang="de-DE" smtClean="0"/>
-              <a:t>22.11.2021</a:t>
+              <a:t>24.11.2021</a:t>
             </a:fld>
             <a:endParaRPr lang="de-DE"/>
           </a:p>
@@ -2107,7 +2107,7 @@
           <a:p>
             <a:fld id="{6CBA03CC-73C5-46A8-8DFB-B5DC4577D8E2}" type="datetimeFigureOut">
               <a:rPr lang="de-DE" smtClean="0"/>
-              <a:t>22.11.2021</a:t>
+              <a:t>24.11.2021</a:t>
             </a:fld>
             <a:endParaRPr lang="de-DE"/>
           </a:p>
@@ -2474,7 +2474,7 @@
           <a:p>
             <a:fld id="{6CBA03CC-73C5-46A8-8DFB-B5DC4577D8E2}" type="datetimeFigureOut">
               <a:rPr lang="de-DE" smtClean="0"/>
-              <a:t>22.11.2021</a:t>
+              <a:t>24.11.2021</a:t>
             </a:fld>
             <a:endParaRPr lang="de-DE"/>
           </a:p>
@@ -2592,7 +2592,7 @@
           <a:p>
             <a:fld id="{6CBA03CC-73C5-46A8-8DFB-B5DC4577D8E2}" type="datetimeFigureOut">
               <a:rPr lang="de-DE" smtClean="0"/>
-              <a:t>22.11.2021</a:t>
+              <a:t>24.11.2021</a:t>
             </a:fld>
             <a:endParaRPr lang="de-DE"/>
           </a:p>
@@ -2687,7 +2687,7 @@
           <a:p>
             <a:fld id="{6CBA03CC-73C5-46A8-8DFB-B5DC4577D8E2}" type="datetimeFigureOut">
               <a:rPr lang="de-DE" smtClean="0"/>
-              <a:t>22.11.2021</a:t>
+              <a:t>24.11.2021</a:t>
             </a:fld>
             <a:endParaRPr lang="de-DE"/>
           </a:p>
@@ -2964,7 +2964,7 @@
           <a:p>
             <a:fld id="{6CBA03CC-73C5-46A8-8DFB-B5DC4577D8E2}" type="datetimeFigureOut">
               <a:rPr lang="de-DE" smtClean="0"/>
-              <a:t>22.11.2021</a:t>
+              <a:t>24.11.2021</a:t>
             </a:fld>
             <a:endParaRPr lang="de-DE"/>
           </a:p>
@@ -3217,7 +3217,7 @@
           <a:p>
             <a:fld id="{6CBA03CC-73C5-46A8-8DFB-B5DC4577D8E2}" type="datetimeFigureOut">
               <a:rPr lang="de-DE" smtClean="0"/>
-              <a:t>22.11.2021</a:t>
+              <a:t>24.11.2021</a:t>
             </a:fld>
             <a:endParaRPr lang="de-DE"/>
           </a:p>
@@ -3430,7 +3430,7 @@
           <a:p>
             <a:fld id="{6CBA03CC-73C5-46A8-8DFB-B5DC4577D8E2}" type="datetimeFigureOut">
               <a:rPr lang="de-DE" smtClean="0"/>
-              <a:t>22.11.2021</a:t>
+              <a:t>24.11.2021</a:t>
             </a:fld>
             <a:endParaRPr lang="de-DE"/>
           </a:p>
@@ -8347,7 +8347,9 @@
         </p:nvSpPr>
         <p:spPr/>
         <p:txBody>
-          <a:bodyPr/>
+          <a:bodyPr>
+            <a:normAutofit fontScale="92500" lnSpcReduction="10000"/>
+          </a:bodyPr>
           <a:lstStyle/>
           <a:p>
             <a:pPr marL="514350" indent="-514350">
@@ -8429,7 +8431,7 @@
               <a:rPr lang="de-DE" dirty="0" err="1" smtClean="0"/>
               <a:t>filename.tfvars</a:t>
             </a:r>
-            <a:endParaRPr lang="de-DE" dirty="0"/>
+            <a:endParaRPr lang="de-DE" dirty="0" smtClean="0"/>
           </a:p>
           <a:p>
             <a:pPr marL="514350" indent="-514350">
@@ -8438,6 +8440,25 @@
             </a:pPr>
             <a:r>
               <a:rPr lang="de-DE" dirty="0" smtClean="0"/>
+              <a:t>Im Stammverzeichnis abgelegte Datei </a:t>
+            </a:r>
+            <a:r>
+              <a:rPr lang="de-DE" dirty="0"/>
+              <a:t>*.</a:t>
+            </a:r>
+            <a:r>
+              <a:rPr lang="de-DE" dirty="0" err="1" smtClean="0"/>
+              <a:t>auto.tfvars</a:t>
+            </a:r>
+            <a:endParaRPr lang="de-DE" dirty="0"/>
+          </a:p>
+          <a:p>
+            <a:pPr marL="514350" indent="-514350">
+              <a:buFont typeface="+mj-lt"/>
+              <a:buAutoNum type="arabicPeriod"/>
+            </a:pPr>
+            <a:r>
+              <a:rPr lang="de-DE" dirty="0" smtClean="0"/>
               <a:t>Im Stammverzeichnis abgelegte </a:t>
             </a:r>
             <a:r>
@@ -8455,6 +8476,24 @@
             <a:r>
               <a:rPr lang="de-DE" dirty="0" err="1" smtClean="0"/>
               <a:t>terraform.tfvars.json</a:t>
+            </a:r>
+            <a:r>
+              <a:rPr lang="de-DE" dirty="0" smtClean="0"/>
+              <a:t> </a:t>
+            </a:r>
+          </a:p>
+          <a:p>
+            <a:pPr marL="514350" indent="-514350">
+              <a:buFont typeface="+mj-lt"/>
+              <a:buAutoNum type="arabicPeriod"/>
+            </a:pPr>
+            <a:r>
+              <a:rPr lang="de-DE" dirty="0" smtClean="0"/>
+              <a:t>Umgebungsvariablen mit Namenschema </a:t>
+            </a:r>
+            <a:r>
+              <a:rPr lang="de-DE" dirty="0" err="1" smtClean="0"/>
+              <a:t>TF_VAR_name</a:t>
             </a:r>
             <a:endParaRPr lang="de-DE" dirty="0" smtClean="0"/>
           </a:p>
